--- a/communication.pptx
+++ b/communication.pptx
@@ -114,6 +114,11 @@
       </a:defRPr>
     </a:lvl9pPr>
   </p:defaultTextStyle>
+  <p:extLst>
+    <p:ext uri="{EFAFB233-063F-42B5-8137-9DF3F51BA10A}">
+      <p15:sldGuideLst xmlns:p15="http://schemas.microsoft.com/office/powerpoint/2012/main"/>
+    </p:ext>
+  </p:extLst>
 </p:presentation>
 </file>
 
@@ -3367,17 +3372,10 @@
           </a:bodyPr>
           <a:lstStyle/>
           <a:p>
-            <a:r>
-              <a:rPr lang="en-US" sz="2800" b="1" dirty="0"/>
-              <a:t>Showing number of listings based on </a:t>
-            </a:r>
-            <a:r>
-              <a:rPr lang="en-US" sz="2800" b="1" dirty="0" err="1"/>
-              <a:t>neighbourhood</a:t>
-            </a:r>
-            <a:r>
-              <a:rPr lang="en-US" sz="2800" b="1" dirty="0"/>
-              <a:t>:</a:t>
+            <a:pPr algn="l"/>
+            <a:r>
+              <a:rPr lang="en-US" sz="3800" b="1"/>
+              <a:t>Showing number of listings based on neighborhood:</a:t>
             </a:r>
           </a:p>
         </p:txBody>
@@ -3461,6 +3459,14 @@
 <file path=ppt/slides/slide10.xml><?xml version="1.0" encoding="utf-8"?>
 <p:sld xmlns:a="http://schemas.openxmlformats.org/drawingml/2006/main" xmlns:r="http://schemas.openxmlformats.org/officeDocument/2006/relationships" xmlns:p="http://schemas.openxmlformats.org/presentationml/2006/main">
   <p:cSld>
+    <p:bg>
+      <p:bgPr>
+        <a:solidFill>
+          <a:schemeClr val="bg1"/>
+        </a:solidFill>
+        <a:effectLst/>
+      </p:bgPr>
+    </p:bg>
     <p:spTree>
       <p:nvGrpSpPr>
         <p:cNvPr id="1" name=""/>
@@ -3491,19 +3497,47 @@
             <p:ph type="title"/>
           </p:nvPr>
         </p:nvSpPr>
-        <p:spPr/>
-        <p:txBody>
-          <a:bodyPr/>
-          <a:lstStyle/>
-          <a:p>
-            <a:r>
-              <a:rPr lang="en-US" sz="2400" b="1" dirty="0"/>
+        <p:spPr>
+          <a:xfrm>
+            <a:off x="838199" y="291090"/>
+            <a:ext cx="10515599" cy="932688"/>
+          </a:xfrm>
+        </p:spPr>
+        <p:txBody>
+          <a:bodyPr vert="horz" lIns="91440" tIns="45720" rIns="91440" bIns="45720" rtlCol="0" anchor="b">
+            <a:normAutofit/>
+          </a:bodyPr>
+          <a:lstStyle/>
+          <a:p>
+            <a:r>
+              <a:rPr lang="en-US" sz="3000" b="1" kern="1200">
+                <a:solidFill>
+                  <a:schemeClr val="tx1"/>
+                </a:solidFill>
+                <a:latin typeface="+mj-lt"/>
+                <a:ea typeface="+mj-ea"/>
+                <a:cs typeface="+mj-cs"/>
+              </a:rPr>
               <a:t>Most 10 busiest hosts:</a:t>
             </a:r>
             <a:br>
-              <a:rPr lang="en-US" b="1" dirty="0"/>
+              <a:rPr lang="en-US" sz="3000" b="1" kern="1200">
+                <a:solidFill>
+                  <a:schemeClr val="tx1"/>
+                </a:solidFill>
+                <a:latin typeface="+mj-lt"/>
+                <a:ea typeface="+mj-ea"/>
+                <a:cs typeface="+mj-cs"/>
+              </a:rPr>
             </a:br>
-            <a:endParaRPr lang="en-US" dirty="0"/>
+            <a:endParaRPr lang="en-US" sz="3000" kern="1200">
+              <a:solidFill>
+                <a:schemeClr val="tx1"/>
+              </a:solidFill>
+              <a:latin typeface="+mj-lt"/>
+              <a:ea typeface="+mj-ea"/>
+              <a:cs typeface="+mj-cs"/>
+            </a:endParaRPr>
           </a:p>
         </p:txBody>
       </p:sp>
@@ -3531,9 +3565,12 @@
         </p:blipFill>
         <p:spPr>
           <a:xfrm>
-            <a:off x="2127250" y="1899444"/>
-            <a:ext cx="7937500" cy="4203700"/>
+            <a:off x="1906615" y="1863801"/>
+            <a:ext cx="8378768" cy="4440746"/>
           </a:xfrm>
+          <a:prstGeom prst="rect">
+            <a:avLst/>
+          </a:prstGeom>
         </p:spPr>
       </p:pic>
     </p:spTree>
@@ -3615,8 +3652,8 @@
         </p:blipFill>
         <p:spPr>
           <a:xfrm>
-            <a:off x="3173053" y="1825625"/>
-            <a:ext cx="5845894" cy="4351338"/>
+            <a:off x="838200" y="1690688"/>
+            <a:ext cx="10391274" cy="5086779"/>
           </a:xfrm>
         </p:spPr>
       </p:pic>
@@ -3636,6 +3673,14 @@
 <file path=ppt/slides/slide2.xml><?xml version="1.0" encoding="utf-8"?>
 <p:sld xmlns:a="http://schemas.openxmlformats.org/drawingml/2006/main" xmlns:r="http://schemas.openxmlformats.org/officeDocument/2006/relationships" xmlns:p="http://schemas.openxmlformats.org/presentationml/2006/main">
   <p:cSld>
+    <p:bg>
+      <p:bgPr>
+        <a:solidFill>
+          <a:schemeClr val="bg1"/>
+        </a:solidFill>
+        <a:effectLst/>
+      </p:bgPr>
+    </p:bg>
     <p:spTree>
       <p:nvGrpSpPr>
         <p:cNvPr id="1" name=""/>
@@ -3666,29 +3711,48 @@
             <p:ph type="title"/>
           </p:nvPr>
         </p:nvSpPr>
-        <p:spPr/>
-        <p:txBody>
-          <a:bodyPr>
+        <p:spPr>
+          <a:xfrm>
+            <a:off x="838199" y="291090"/>
+            <a:ext cx="10515599" cy="932688"/>
+          </a:xfrm>
+        </p:spPr>
+        <p:txBody>
+          <a:bodyPr vert="horz" lIns="91440" tIns="45720" rIns="91440" bIns="45720" rtlCol="0" anchor="b">
             <a:normAutofit/>
           </a:bodyPr>
           <a:lstStyle/>
           <a:p>
-            <a:r>
-              <a:rPr lang="en-US" sz="2400" b="1" dirty="0"/>
-              <a:t>Map of </a:t>
-            </a:r>
-            <a:r>
-              <a:rPr lang="en-US" sz="2400" b="1" dirty="0" err="1"/>
-              <a:t>Neighbourhood</a:t>
-            </a:r>
-            <a:r>
-              <a:rPr lang="en-US" sz="2400" b="1" dirty="0"/>
-              <a:t> group:</a:t>
+            <a:pPr algn="ctr"/>
+            <a:r>
+              <a:rPr lang="en-US" sz="3000" b="1" kern="1200">
+                <a:solidFill>
+                  <a:schemeClr val="tx1"/>
+                </a:solidFill>
+                <a:latin typeface="+mj-lt"/>
+                <a:ea typeface="+mj-ea"/>
+                <a:cs typeface="+mj-cs"/>
+              </a:rPr>
+              <a:t>Map of Neighborhood group:</a:t>
             </a:r>
             <a:br>
-              <a:rPr lang="en-US" sz="2400" b="1" dirty="0"/>
+              <a:rPr lang="en-US" sz="3000" b="1" kern="1200">
+                <a:solidFill>
+                  <a:schemeClr val="tx1"/>
+                </a:solidFill>
+                <a:latin typeface="+mj-lt"/>
+                <a:ea typeface="+mj-ea"/>
+                <a:cs typeface="+mj-cs"/>
+              </a:rPr>
             </a:br>
-            <a:endParaRPr lang="en-US" sz="2400" dirty="0"/>
+            <a:endParaRPr lang="en-US" sz="3000" kern="1200">
+              <a:solidFill>
+                <a:schemeClr val="tx1"/>
+              </a:solidFill>
+              <a:latin typeface="+mj-lt"/>
+              <a:ea typeface="+mj-ea"/>
+              <a:cs typeface="+mj-cs"/>
+            </a:endParaRPr>
           </a:p>
         </p:txBody>
       </p:sp>
@@ -3716,9 +3780,12 @@
         </p:blipFill>
         <p:spPr>
           <a:xfrm>
-            <a:off x="1770431" y="1825625"/>
-            <a:ext cx="8651137" cy="4351338"/>
+            <a:off x="1677347" y="1863801"/>
+            <a:ext cx="8837305" cy="4440746"/>
           </a:xfrm>
+          <a:prstGeom prst="rect">
+            <a:avLst/>
+          </a:prstGeom>
         </p:spPr>
       </p:pic>
     </p:spTree>
@@ -3759,83 +3826,12 @@
           <a:chExt cx="0" cy="0"/>
         </a:xfrm>
       </p:grpSpPr>
-      <p:sp>
-        <p:nvSpPr>
-          <p:cNvPr id="2" name="Title 1">
-            <a:extLst>
-              <a:ext uri="{FF2B5EF4-FFF2-40B4-BE49-F238E27FC236}">
-                <a16:creationId xmlns:a16="http://schemas.microsoft.com/office/drawing/2014/main" id="{EE40B675-4723-F24D-AD57-F98E51F2BF21}"/>
-              </a:ext>
-            </a:extLst>
-          </p:cNvPr>
-          <p:cNvSpPr>
-            <a:spLocks noGrp="1"/>
-          </p:cNvSpPr>
-          <p:nvPr>
-            <p:ph type="title"/>
-          </p:nvPr>
-        </p:nvSpPr>
-        <p:spPr>
-          <a:xfrm>
-            <a:off x="648929" y="629266"/>
-            <a:ext cx="3505495" cy="1622321"/>
-          </a:xfrm>
-        </p:spPr>
-        <p:txBody>
-          <a:bodyPr>
-            <a:normAutofit/>
-          </a:bodyPr>
-          <a:lstStyle/>
-          <a:p>
-            <a:r>
-              <a:rPr lang="en-US" sz="2400" dirty="0" err="1"/>
-              <a:t>Roome</a:t>
-            </a:r>
-            <a:r>
-              <a:rPr lang="en-US" sz="2400" dirty="0"/>
-              <a:t> type:</a:t>
-            </a:r>
-          </a:p>
-        </p:txBody>
-      </p:sp>
-      <p:sp>
-        <p:nvSpPr>
-          <p:cNvPr id="8" name="Content Placeholder 7">
-            <a:extLst>
-              <a:ext uri="{FF2B5EF4-FFF2-40B4-BE49-F238E27FC236}">
-                <a16:creationId xmlns:a16="http://schemas.microsoft.com/office/drawing/2014/main" id="{A587814C-CD49-40FD-886D-79FA4C5A46D6}"/>
-              </a:ext>
-            </a:extLst>
-          </p:cNvPr>
-          <p:cNvSpPr>
-            <a:spLocks noGrp="1"/>
-          </p:cNvSpPr>
-          <p:nvPr>
-            <p:ph idx="1"/>
-          </p:nvPr>
-        </p:nvSpPr>
-        <p:spPr>
-          <a:xfrm>
-            <a:off x="648931" y="2438400"/>
-            <a:ext cx="3505494" cy="3785419"/>
-          </a:xfrm>
-        </p:spPr>
-        <p:txBody>
-          <a:bodyPr>
-            <a:normAutofit/>
-          </a:bodyPr>
-          <a:lstStyle/>
-          <a:p>
-            <a:endParaRPr lang="en-US" sz="2000"/>
-          </a:p>
-        </p:txBody>
-      </p:sp>
-      <p:sp>
-        <p:nvSpPr>
-          <p:cNvPr id="11" name="Rectangle 10">
-            <a:extLst>
-              <a:ext uri="{FF2B5EF4-FFF2-40B4-BE49-F238E27FC236}">
-                <a16:creationId xmlns:a16="http://schemas.microsoft.com/office/drawing/2014/main" id="{5E39A796-BE83-48B1-B33F-35C4A32AAB57}"/>
+      <p:sp useBgFill="1">
+        <p:nvSpPr>
+          <p:cNvPr id="18" name="Rectangle 17">
+            <a:extLst>
+              <a:ext uri="{FF2B5EF4-FFF2-40B4-BE49-F238E27FC236}">
+                <a16:creationId xmlns:a16="http://schemas.microsoft.com/office/drawing/2014/main" id="{743AA782-23D1-4521-8CAD-47662984AA08}"/>
               </a:ext>
               <a:ext uri="{C183D7F6-B498-43B3-948B-1728B52AA6E4}">
                 <adec:decorative xmlns:adec="http://schemas.microsoft.com/office/drawing/2017/decorative" val="1"/>
@@ -3855,15 +3851,12 @@
         </p:nvSpPr>
         <p:spPr>
           <a:xfrm>
-            <a:off x="4639056" y="0"/>
-            <a:ext cx="7552944" cy="6858000"/>
+            <a:off x="0" y="0"/>
+            <a:ext cx="12192000" cy="6858000"/>
           </a:xfrm>
           <a:prstGeom prst="rect">
             <a:avLst/>
           </a:prstGeom>
-          <a:solidFill>
-            <a:srgbClr val="C8CACA"/>
-          </a:solidFill>
           <a:ln>
             <a:noFill/>
           </a:ln>
@@ -3895,10 +3888,45 @@
       </p:sp>
       <p:sp>
         <p:nvSpPr>
-          <p:cNvPr id="13" name="Rounded Rectangle 9">
-            <a:extLst>
-              <a:ext uri="{FF2B5EF4-FFF2-40B4-BE49-F238E27FC236}">
-                <a16:creationId xmlns:a16="http://schemas.microsoft.com/office/drawing/2014/main" id="{72F84B47-E267-4194-8194-831DB7B5547F}"/>
+          <p:cNvPr id="2" name="Title 1">
+            <a:extLst>
+              <a:ext uri="{FF2B5EF4-FFF2-40B4-BE49-F238E27FC236}">
+                <a16:creationId xmlns:a16="http://schemas.microsoft.com/office/drawing/2014/main" id="{EE40B675-4723-F24D-AD57-F98E51F2BF21}"/>
+              </a:ext>
+            </a:extLst>
+          </p:cNvPr>
+          <p:cNvSpPr>
+            <a:spLocks noGrp="1"/>
+          </p:cNvSpPr>
+          <p:nvPr>
+            <p:ph type="title"/>
+          </p:nvPr>
+        </p:nvSpPr>
+        <p:spPr>
+          <a:xfrm>
+            <a:off x="630936" y="640080"/>
+            <a:ext cx="4818888" cy="1481328"/>
+          </a:xfrm>
+        </p:spPr>
+        <p:txBody>
+          <a:bodyPr anchor="b">
+            <a:normAutofit/>
+          </a:bodyPr>
+          <a:lstStyle/>
+          <a:p>
+            <a:r>
+              <a:rPr lang="en-US" sz="5400"/>
+              <a:t>Room type:</a:t>
+            </a:r>
+          </a:p>
+        </p:txBody>
+      </p:sp>
+      <p:sp>
+        <p:nvSpPr>
+          <p:cNvPr id="20" name="sketch line">
+            <a:extLst>
+              <a:ext uri="{FF2B5EF4-FFF2-40B4-BE49-F238E27FC236}">
+                <a16:creationId xmlns:a16="http://schemas.microsoft.com/office/drawing/2014/main" id="{71877DBC-BB60-40F0-AC93-2ACDBAAE60CE}"/>
               </a:ext>
               <a:ext uri="{C183D7F6-B498-43B3-948B-1728B52AA6E4}">
                 <adec:decorative xmlns:adec="http://schemas.microsoft.com/office/drawing/2017/decorative" val="1"/>
@@ -3918,29 +3946,228 @@
         </p:nvSpPr>
         <p:spPr>
           <a:xfrm>
-            <a:off x="5123688" y="557784"/>
-            <a:ext cx="6584098" cy="5739187"/>
+            <a:off x="643278" y="2372868"/>
+            <a:ext cx="3255095" cy="18288"/>
           </a:xfrm>
-          <a:prstGeom prst="roundRect">
-            <a:avLst>
-              <a:gd name="adj" fmla="val 0"/>
-            </a:avLst>
-          </a:prstGeom>
+          <a:custGeom>
+            <a:avLst/>
+            <a:gdLst>
+              <a:gd name="connsiteX0" fmla="*/ 0 w 3255095"/>
+              <a:gd name="connsiteY0" fmla="*/ 0 h 18288"/>
+              <a:gd name="connsiteX1" fmla="*/ 618468 w 3255095"/>
+              <a:gd name="connsiteY1" fmla="*/ 0 h 18288"/>
+              <a:gd name="connsiteX2" fmla="*/ 1269487 w 3255095"/>
+              <a:gd name="connsiteY2" fmla="*/ 0 h 18288"/>
+              <a:gd name="connsiteX3" fmla="*/ 1953057 w 3255095"/>
+              <a:gd name="connsiteY3" fmla="*/ 0 h 18288"/>
+              <a:gd name="connsiteX4" fmla="*/ 2636627 w 3255095"/>
+              <a:gd name="connsiteY4" fmla="*/ 0 h 18288"/>
+              <a:gd name="connsiteX5" fmla="*/ 3255095 w 3255095"/>
+              <a:gd name="connsiteY5" fmla="*/ 0 h 18288"/>
+              <a:gd name="connsiteX6" fmla="*/ 3255095 w 3255095"/>
+              <a:gd name="connsiteY6" fmla="*/ 18288 h 18288"/>
+              <a:gd name="connsiteX7" fmla="*/ 2538974 w 3255095"/>
+              <a:gd name="connsiteY7" fmla="*/ 18288 h 18288"/>
+              <a:gd name="connsiteX8" fmla="*/ 1822853 w 3255095"/>
+              <a:gd name="connsiteY8" fmla="*/ 18288 h 18288"/>
+              <a:gd name="connsiteX9" fmla="*/ 1171834 w 3255095"/>
+              <a:gd name="connsiteY9" fmla="*/ 18288 h 18288"/>
+              <a:gd name="connsiteX10" fmla="*/ 0 w 3255095"/>
+              <a:gd name="connsiteY10" fmla="*/ 18288 h 18288"/>
+              <a:gd name="connsiteX11" fmla="*/ 0 w 3255095"/>
+              <a:gd name="connsiteY11" fmla="*/ 0 h 18288"/>
+            </a:gdLst>
+            <a:ahLst/>
+            <a:cxnLst>
+              <a:cxn ang="0">
+                <a:pos x="connsiteX0" y="connsiteY0"/>
+              </a:cxn>
+              <a:cxn ang="0">
+                <a:pos x="connsiteX1" y="connsiteY1"/>
+              </a:cxn>
+              <a:cxn ang="0">
+                <a:pos x="connsiteX2" y="connsiteY2"/>
+              </a:cxn>
+              <a:cxn ang="0">
+                <a:pos x="connsiteX3" y="connsiteY3"/>
+              </a:cxn>
+              <a:cxn ang="0">
+                <a:pos x="connsiteX4" y="connsiteY4"/>
+              </a:cxn>
+              <a:cxn ang="0">
+                <a:pos x="connsiteX5" y="connsiteY5"/>
+              </a:cxn>
+              <a:cxn ang="0">
+                <a:pos x="connsiteX6" y="connsiteY6"/>
+              </a:cxn>
+              <a:cxn ang="0">
+                <a:pos x="connsiteX7" y="connsiteY7"/>
+              </a:cxn>
+              <a:cxn ang="0">
+                <a:pos x="connsiteX8" y="connsiteY8"/>
+              </a:cxn>
+              <a:cxn ang="0">
+                <a:pos x="connsiteX9" y="connsiteY9"/>
+              </a:cxn>
+              <a:cxn ang="0">
+                <a:pos x="connsiteX10" y="connsiteY10"/>
+              </a:cxn>
+              <a:cxn ang="0">
+                <a:pos x="connsiteX11" y="connsiteY11"/>
+              </a:cxn>
+            </a:cxnLst>
+            <a:rect l="l" t="t" r="r" b="b"/>
+            <a:pathLst>
+              <a:path w="3255095" h="18288" fill="none" extrusionOk="0">
+                <a:moveTo>
+                  <a:pt x="0" y="0"/>
+                </a:moveTo>
+                <a:cubicBezTo>
+                  <a:pt x="240201" y="-22123"/>
+                  <a:pt x="462021" y="-19623"/>
+                  <a:pt x="618468" y="0"/>
+                </a:cubicBezTo>
+                <a:cubicBezTo>
+                  <a:pt x="774915" y="19623"/>
+                  <a:pt x="974734" y="2035"/>
+                  <a:pt x="1269487" y="0"/>
+                </a:cubicBezTo>
+                <a:cubicBezTo>
+                  <a:pt x="1564240" y="-2035"/>
+                  <a:pt x="1733579" y="10639"/>
+                  <a:pt x="1953057" y="0"/>
+                </a:cubicBezTo>
+                <a:cubicBezTo>
+                  <a:pt x="2172535" y="-10639"/>
+                  <a:pt x="2453962" y="14018"/>
+                  <a:pt x="2636627" y="0"/>
+                </a:cubicBezTo>
+                <a:cubicBezTo>
+                  <a:pt x="2819292" y="-14018"/>
+                  <a:pt x="3121375" y="5399"/>
+                  <a:pt x="3255095" y="0"/>
+                </a:cubicBezTo>
+                <a:cubicBezTo>
+                  <a:pt x="3254386" y="8157"/>
+                  <a:pt x="3254682" y="12125"/>
+                  <a:pt x="3255095" y="18288"/>
+                </a:cubicBezTo>
+                <a:cubicBezTo>
+                  <a:pt x="3088545" y="23203"/>
+                  <a:pt x="2687475" y="7419"/>
+                  <a:pt x="2538974" y="18288"/>
+                </a:cubicBezTo>
+                <a:cubicBezTo>
+                  <a:pt x="2390473" y="29157"/>
+                  <a:pt x="2137381" y="-8959"/>
+                  <a:pt x="1822853" y="18288"/>
+                </a:cubicBezTo>
+                <a:cubicBezTo>
+                  <a:pt x="1508325" y="45535"/>
+                  <a:pt x="1466437" y="20385"/>
+                  <a:pt x="1171834" y="18288"/>
+                </a:cubicBezTo>
+                <a:cubicBezTo>
+                  <a:pt x="877231" y="16191"/>
+                  <a:pt x="561097" y="37643"/>
+                  <a:pt x="0" y="18288"/>
+                </a:cubicBezTo>
+                <a:cubicBezTo>
+                  <a:pt x="-46" y="12483"/>
+                  <a:pt x="-203" y="6491"/>
+                  <a:pt x="0" y="0"/>
+                </a:cubicBezTo>
+                <a:close/>
+              </a:path>
+              <a:path w="3255095" h="18288" stroke="0" extrusionOk="0">
+                <a:moveTo>
+                  <a:pt x="0" y="0"/>
+                </a:moveTo>
+                <a:cubicBezTo>
+                  <a:pt x="291965" y="19429"/>
+                  <a:pt x="363155" y="8568"/>
+                  <a:pt x="618468" y="0"/>
+                </a:cubicBezTo>
+                <a:cubicBezTo>
+                  <a:pt x="873781" y="-8568"/>
+                  <a:pt x="904459" y="-19505"/>
+                  <a:pt x="1171834" y="0"/>
+                </a:cubicBezTo>
+                <a:cubicBezTo>
+                  <a:pt x="1439209" y="19505"/>
+                  <a:pt x="1744369" y="9790"/>
+                  <a:pt x="1887955" y="0"/>
+                </a:cubicBezTo>
+                <a:cubicBezTo>
+                  <a:pt x="2031541" y="-9790"/>
+                  <a:pt x="2346378" y="21240"/>
+                  <a:pt x="2506423" y="0"/>
+                </a:cubicBezTo>
+                <a:cubicBezTo>
+                  <a:pt x="2666468" y="-21240"/>
+                  <a:pt x="2990257" y="30414"/>
+                  <a:pt x="3255095" y="0"/>
+                </a:cubicBezTo>
+                <a:cubicBezTo>
+                  <a:pt x="3254831" y="4493"/>
+                  <a:pt x="3255479" y="9472"/>
+                  <a:pt x="3255095" y="18288"/>
+                </a:cubicBezTo>
+                <a:cubicBezTo>
+                  <a:pt x="3120743" y="16690"/>
+                  <a:pt x="2759628" y="42462"/>
+                  <a:pt x="2604076" y="18288"/>
+                </a:cubicBezTo>
+                <a:cubicBezTo>
+                  <a:pt x="2448524" y="-5886"/>
+                  <a:pt x="2184336" y="19599"/>
+                  <a:pt x="1887955" y="18288"/>
+                </a:cubicBezTo>
+                <a:cubicBezTo>
+                  <a:pt x="1591574" y="16977"/>
+                  <a:pt x="1548845" y="6870"/>
+                  <a:pt x="1334589" y="18288"/>
+                </a:cubicBezTo>
+                <a:cubicBezTo>
+                  <a:pt x="1120333" y="29706"/>
+                  <a:pt x="996014" y="9662"/>
+                  <a:pt x="683570" y="18288"/>
+                </a:cubicBezTo>
+                <a:cubicBezTo>
+                  <a:pt x="371126" y="26914"/>
+                  <a:pt x="198687" y="16167"/>
+                  <a:pt x="0" y="18288"/>
+                </a:cubicBezTo>
+                <a:cubicBezTo>
+                  <a:pt x="843" y="9577"/>
+                  <a:pt x="371" y="6900"/>
+                  <a:pt x="0" y="0"/>
+                </a:cubicBezTo>
+                <a:close/>
+              </a:path>
+            </a:pathLst>
+          </a:custGeom>
           <a:solidFill>
-            <a:srgbClr val="FFFFFF"/>
+            <a:schemeClr val="accent2"/>
           </a:solidFill>
-          <a:ln w="9525">
+          <a:ln w="38100" cap="rnd">
             <a:solidFill>
-              <a:srgbClr val="C8CACA"/>
+              <a:schemeClr val="accent2"/>
             </a:solidFill>
+            <a:round/>
+            <a:extLst>
+              <a:ext uri="{C807C97D-BFC1-408E-A445-0C87EB9F89A2}">
+                <ask:lineSketchStyleProps xmlns:ask="http://schemas.microsoft.com/office/drawing/2018/sketchyshapes" sd="1219033472">
+                  <a:prstGeom prst="rect">
+                    <a:avLst/>
+                  </a:prstGeom>
+                  <ask:type>
+                    <ask:lineSketchFreehand/>
+                  </ask:type>
+                </ask:lineSketchStyleProps>
+              </a:ext>
+            </a:extLst>
           </a:ln>
-          <a:effectLst>
-            <a:outerShdw blurRad="57150" dist="19050" dir="5400000" algn="t" rotWithShape="0">
-              <a:prstClr val="black">
-                <a:alpha val="63000"/>
-              </a:prstClr>
-            </a:outerShdw>
-          </a:effectLst>
         </p:spPr>
         <p:style>
           <a:lnRef idx="2">
@@ -3967,6 +4194,38 @@
           </a:p>
         </p:txBody>
       </p:sp>
+      <p:sp>
+        <p:nvSpPr>
+          <p:cNvPr id="8" name="Content Placeholder 7">
+            <a:extLst>
+              <a:ext uri="{FF2B5EF4-FFF2-40B4-BE49-F238E27FC236}">
+                <a16:creationId xmlns:a16="http://schemas.microsoft.com/office/drawing/2014/main" id="{A587814C-CD49-40FD-886D-79FA4C5A46D6}"/>
+              </a:ext>
+            </a:extLst>
+          </p:cNvPr>
+          <p:cNvSpPr>
+            <a:spLocks noGrp="1"/>
+          </p:cNvSpPr>
+          <p:nvPr>
+            <p:ph idx="1"/>
+          </p:nvPr>
+        </p:nvSpPr>
+        <p:spPr>
+          <a:xfrm>
+            <a:off x="630936" y="2660904"/>
+            <a:ext cx="4818888" cy="3547872"/>
+          </a:xfrm>
+        </p:spPr>
+        <p:txBody>
+          <a:bodyPr anchor="t">
+            <a:normAutofit/>
+          </a:bodyPr>
+          <a:lstStyle/>
+          <a:p>
+            <a:endParaRPr lang="en-US" sz="2200"/>
+          </a:p>
+        </p:txBody>
+      </p:sp>
       <p:pic>
         <p:nvPicPr>
           <p:cNvPr id="4" name="Content Placeholder 3">
@@ -3989,13 +4248,12 @@
         </p:blipFill>
         <p:spPr>
           <a:xfrm>
-            <a:off x="5707741" y="807593"/>
-            <a:ext cx="5415573" cy="5239568"/>
+            <a:off x="6099048" y="788224"/>
+            <a:ext cx="5458968" cy="5281551"/>
           </a:xfrm>
           <a:prstGeom prst="rect">
             <a:avLst/>
           </a:prstGeom>
-          <a:effectLst/>
         </p:spPr>
       </p:pic>
     </p:spTree>
@@ -4910,6 +5168,14 @@
 <file path=ppt/slides/slide9.xml><?xml version="1.0" encoding="utf-8"?>
 <p:sld xmlns:a="http://schemas.openxmlformats.org/drawingml/2006/main" xmlns:r="http://schemas.openxmlformats.org/officeDocument/2006/relationships" xmlns:p="http://schemas.openxmlformats.org/presentationml/2006/main">
   <p:cSld>
+    <p:bg>
+      <p:bgPr>
+        <a:solidFill>
+          <a:schemeClr val="bg1"/>
+        </a:solidFill>
+        <a:effectLst/>
+      </p:bgPr>
+    </p:bg>
     <p:spTree>
       <p:nvGrpSpPr>
         <p:cNvPr id="1" name=""/>
@@ -4940,21 +5206,99 @@
             <p:ph type="title"/>
           </p:nvPr>
         </p:nvSpPr>
-        <p:spPr/>
-        <p:txBody>
-          <a:bodyPr>
+        <p:spPr>
+          <a:xfrm>
+            <a:off x="648929" y="629266"/>
+            <a:ext cx="3667039" cy="1676603"/>
+          </a:xfrm>
+        </p:spPr>
+        <p:txBody>
+          <a:bodyPr vert="horz" lIns="91440" tIns="45720" rIns="91440" bIns="45720" rtlCol="0" anchor="ctr">
             <a:normAutofit/>
           </a:bodyPr>
           <a:lstStyle/>
           <a:p>
             <a:r>
-              <a:rPr lang="en-US" sz="2400" b="1" dirty="0"/>
+              <a:rPr lang="en-US" sz="3000" b="1"/>
               <a:t>Number of reviews and its affect to price:</a:t>
             </a:r>
             <a:br>
-              <a:rPr lang="en-US" sz="2400" b="1" dirty="0"/>
+              <a:rPr lang="en-US" sz="3000" b="1"/>
             </a:br>
-            <a:endParaRPr lang="en-US" sz="2400" dirty="0"/>
+            <a:endParaRPr lang="en-US" sz="3000"/>
+          </a:p>
+        </p:txBody>
+      </p:sp>
+      <p:sp>
+        <p:nvSpPr>
+          <p:cNvPr id="5" name="TextBox 4">
+            <a:extLst>
+              <a:ext uri="{FF2B5EF4-FFF2-40B4-BE49-F238E27FC236}">
+                <a16:creationId xmlns:a16="http://schemas.microsoft.com/office/drawing/2014/main" id="{97ACF287-5295-714F-AF48-3DE0DFC40083}"/>
+              </a:ext>
+            </a:extLst>
+          </p:cNvPr>
+          <p:cNvSpPr txBox="1"/>
+          <p:nvPr/>
+        </p:nvSpPr>
+        <p:spPr>
+          <a:xfrm>
+            <a:off x="648930" y="2438400"/>
+            <a:ext cx="3667037" cy="3785419"/>
+          </a:xfrm>
+          <a:prstGeom prst="rect">
+            <a:avLst/>
+          </a:prstGeom>
+        </p:spPr>
+        <p:txBody>
+          <a:bodyPr vert="horz" lIns="91440" tIns="45720" rIns="91440" bIns="45720" rtlCol="0">
+            <a:normAutofit/>
+          </a:bodyPr>
+          <a:lstStyle/>
+          <a:p>
+            <a:pPr indent="-228600">
+              <a:lnSpc>
+                <a:spcPct val="90000"/>
+              </a:lnSpc>
+              <a:spcAft>
+                <a:spcPts val="600"/>
+              </a:spcAft>
+              <a:buFont typeface="Arial" panose="020B0604020202020204" pitchFamily="34" charset="0"/>
+              <a:buChar char="•"/>
+            </a:pPr>
+            <a:r>
+              <a:rPr lang="en-US"/>
+              <a:t>1) number of reviews on price range between 0 &amp; 250 is high which mean most people prefer renting rooms which have a price below 250</a:t>
+            </a:r>
+          </a:p>
+          <a:p>
+            <a:pPr indent="-228600">
+              <a:lnSpc>
+                <a:spcPct val="90000"/>
+              </a:lnSpc>
+              <a:spcAft>
+                <a:spcPts val="600"/>
+              </a:spcAft>
+              <a:buFont typeface="Arial" panose="020B0604020202020204" pitchFamily="34" charset="0"/>
+              <a:buChar char="•"/>
+            </a:pPr>
+            <a:r>
+              <a:rPr lang="en-US"/>
+              <a:t>2) number of reviews decrease as you increase the price</a:t>
+            </a:r>
+          </a:p>
+          <a:p>
+            <a:pPr indent="-228600">
+              <a:lnSpc>
+                <a:spcPct val="90000"/>
+              </a:lnSpc>
+              <a:spcAft>
+                <a:spcPts val="600"/>
+              </a:spcAft>
+              <a:buFont typeface="Arial" panose="020B0604020202020204" pitchFamily="34" charset="0"/>
+              <a:buChar char="•"/>
+            </a:pPr>
+            <a:endParaRPr lang="en-US"/>
           </a:p>
         </p:txBody>
       </p:sp>
@@ -4974,17 +5318,20 @@
             <p:ph idx="1"/>
           </p:nvPr>
         </p:nvPicPr>
-        <p:blipFill>
+        <p:blipFill rotWithShape="1">
           <a:blip r:embed="rId2"/>
-          <a:stretch>
-            <a:fillRect/>
-          </a:stretch>
+          <a:srcRect l="8831" r="4" b="4"/>
+          <a:stretch/>
         </p:blipFill>
         <p:spPr>
           <a:xfrm>
-            <a:off x="3136920" y="1825625"/>
-            <a:ext cx="5918160" cy="4351338"/>
+            <a:off x="4636008" y="640082"/>
+            <a:ext cx="6916329" cy="5577837"/>
           </a:xfrm>
+          <a:prstGeom prst="rect">
+            <a:avLst/>
+          </a:prstGeom>
+          <a:effectLst/>
         </p:spPr>
       </p:pic>
     </p:spTree>
